--- a/Mobile-Analytics/InterCon_2011_RFeldman_redemobi.pptx
+++ b/Mobile-Analytics/InterCon_2011_RFeldman_redemobi.pptx
@@ -8,9 +8,11 @@
     <p:sldId id="256" r:id="rId2"/>
     <p:sldId id="257" r:id="rId3"/>
     <p:sldId id="258" r:id="rId4"/>
-    <p:sldId id="259" r:id="rId5"/>
-    <p:sldId id="260" r:id="rId6"/>
-    <p:sldId id="262" r:id="rId7"/>
+    <p:sldId id="263" r:id="rId5"/>
+    <p:sldId id="259" r:id="rId6"/>
+    <p:sldId id="260" r:id="rId7"/>
+    <p:sldId id="261" r:id="rId8"/>
+    <p:sldId id="262" r:id="rId9"/>
   </p:sldIdLst>
   <p:sldSz cx="9144000" cy="6858000" type="screen4x3"/>
   <p:notesSz cx="6858000" cy="9144000"/>
@@ -293,7 +295,7 @@
           <a:p>
             <a:fld id="{BA8EAD1C-3E2A-304A-A347-BA1B0DE927CD}" type="datetimeFigureOut">
               <a:rPr lang="en-US" smtClean="0"/>
-              <a:t>10/22/11</a:t>
+              <a:t>22/10/11</a:t>
             </a:fld>
             <a:endParaRPr lang="en-US"/>
           </a:p>
@@ -463,7 +465,7 @@
           <a:p>
             <a:fld id="{BA8EAD1C-3E2A-304A-A347-BA1B0DE927CD}" type="datetimeFigureOut">
               <a:rPr lang="en-US" smtClean="0"/>
-              <a:t>10/22/11</a:t>
+              <a:t>22/10/11</a:t>
             </a:fld>
             <a:endParaRPr lang="en-US"/>
           </a:p>
@@ -643,7 +645,7 @@
           <a:p>
             <a:fld id="{BA8EAD1C-3E2A-304A-A347-BA1B0DE927CD}" type="datetimeFigureOut">
               <a:rPr lang="en-US" smtClean="0"/>
-              <a:t>10/22/11</a:t>
+              <a:t>22/10/11</a:t>
             </a:fld>
             <a:endParaRPr lang="en-US"/>
           </a:p>
@@ -813,7 +815,7 @@
           <a:p>
             <a:fld id="{BA8EAD1C-3E2A-304A-A347-BA1B0DE927CD}" type="datetimeFigureOut">
               <a:rPr lang="en-US" smtClean="0"/>
-              <a:t>10/22/11</a:t>
+              <a:t>22/10/11</a:t>
             </a:fld>
             <a:endParaRPr lang="en-US"/>
           </a:p>
@@ -1059,7 +1061,7 @@
           <a:p>
             <a:fld id="{BA8EAD1C-3E2A-304A-A347-BA1B0DE927CD}" type="datetimeFigureOut">
               <a:rPr lang="en-US" smtClean="0"/>
-              <a:t>10/22/11</a:t>
+              <a:t>22/10/11</a:t>
             </a:fld>
             <a:endParaRPr lang="en-US"/>
           </a:p>
@@ -1347,7 +1349,7 @@
           <a:p>
             <a:fld id="{BA8EAD1C-3E2A-304A-A347-BA1B0DE927CD}" type="datetimeFigureOut">
               <a:rPr lang="en-US" smtClean="0"/>
-              <a:t>10/22/11</a:t>
+              <a:t>22/10/11</a:t>
             </a:fld>
             <a:endParaRPr lang="en-US"/>
           </a:p>
@@ -1769,7 +1771,7 @@
           <a:p>
             <a:fld id="{BA8EAD1C-3E2A-304A-A347-BA1B0DE927CD}" type="datetimeFigureOut">
               <a:rPr lang="en-US" smtClean="0"/>
-              <a:t>10/22/11</a:t>
+              <a:t>22/10/11</a:t>
             </a:fld>
             <a:endParaRPr lang="en-US"/>
           </a:p>
@@ -1887,7 +1889,7 @@
           <a:p>
             <a:fld id="{BA8EAD1C-3E2A-304A-A347-BA1B0DE927CD}" type="datetimeFigureOut">
               <a:rPr lang="en-US" smtClean="0"/>
-              <a:t>10/22/11</a:t>
+              <a:t>22/10/11</a:t>
             </a:fld>
             <a:endParaRPr lang="en-US"/>
           </a:p>
@@ -1982,7 +1984,7 @@
           <a:p>
             <a:fld id="{BA8EAD1C-3E2A-304A-A347-BA1B0DE927CD}" type="datetimeFigureOut">
               <a:rPr lang="en-US" smtClean="0"/>
-              <a:t>10/22/11</a:t>
+              <a:t>22/10/11</a:t>
             </a:fld>
             <a:endParaRPr lang="en-US"/>
           </a:p>
@@ -2259,7 +2261,7 @@
           <a:p>
             <a:fld id="{BA8EAD1C-3E2A-304A-A347-BA1B0DE927CD}" type="datetimeFigureOut">
               <a:rPr lang="en-US" smtClean="0"/>
-              <a:t>10/22/11</a:t>
+              <a:t>22/10/11</a:t>
             </a:fld>
             <a:endParaRPr lang="en-US"/>
           </a:p>
@@ -2512,7 +2514,7 @@
           <a:p>
             <a:fld id="{BA8EAD1C-3E2A-304A-A347-BA1B0DE927CD}" type="datetimeFigureOut">
               <a:rPr lang="en-US" smtClean="0"/>
-              <a:t>10/22/11</a:t>
+              <a:t>22/10/11</a:t>
             </a:fld>
             <a:endParaRPr lang="en-US"/>
           </a:p>
@@ -2725,7 +2727,7 @@
           <a:p>
             <a:fld id="{BA8EAD1C-3E2A-304A-A347-BA1B0DE927CD}" type="datetimeFigureOut">
               <a:rPr lang="en-US" smtClean="0"/>
-              <a:t>10/22/11</a:t>
+              <a:t>22/10/11</a:t>
             </a:fld>
             <a:endParaRPr lang="en-US"/>
           </a:p>
@@ -3288,8 +3290,23 @@
           <a:p>
             <a:r>
               <a:rPr lang="en-US" dirty="0" smtClean="0"/>
-              <a:t>B – A – BA do Google Analytics Mobile</a:t>
-            </a:r>
+              <a:t>B – A – BA do Google Analytics </a:t>
+            </a:r>
+            <a:r>
+              <a:rPr lang="en-US" dirty="0" smtClean="0"/>
+              <a:t>Mobile</a:t>
+            </a:r>
+          </a:p>
+          <a:p>
+            <a:r>
+              <a:rPr lang="en-US" dirty="0" err="1" smtClean="0"/>
+              <a:t>Cuidados</a:t>
+            </a:r>
+            <a:r>
+              <a:rPr lang="en-US" dirty="0" smtClean="0"/>
+              <a:t> no Tracking Mobile</a:t>
+            </a:r>
+            <a:endParaRPr lang="en-US" dirty="0" smtClean="0"/>
           </a:p>
           <a:p>
             <a:r>
@@ -3313,24 +3330,24 @@
           </a:p>
           <a:p>
             <a:r>
+              <a:rPr lang="en-US" dirty="0" smtClean="0"/>
+              <a:t>Analytics </a:t>
+            </a:r>
+            <a:r>
               <a:rPr lang="en-US" dirty="0" err="1" smtClean="0"/>
-              <a:t>Principais</a:t>
+              <a:t>ajudando</a:t>
             </a:r>
             <a:r>
               <a:rPr lang="en-US" dirty="0" smtClean="0"/>
-              <a:t> </a:t>
+              <a:t> a </a:t>
+            </a:r>
+            <a:r>
+              <a:rPr lang="en-US" dirty="0" err="1"/>
+              <a:t>R</a:t>
             </a:r>
             <a:r>
               <a:rPr lang="en-US" dirty="0" err="1" smtClean="0"/>
-              <a:t>diferenças</a:t>
-            </a:r>
-            <a:r>
-              <a:rPr lang="en-US" dirty="0" smtClean="0"/>
-              <a:t> das </a:t>
-            </a:r>
-            <a:r>
-              <a:rPr lang="en-US" dirty="0" err="1" smtClean="0"/>
-              <a:t>Ferramentas</a:t>
+              <a:t>entabilizar</a:t>
             </a:r>
             <a:endParaRPr lang="en-US" dirty="0"/>
           </a:p>
@@ -3407,7 +3424,7 @@
             <p:ph idx="1"/>
           </p:nvPr>
         </p:nvPicPr>
-        <p:blipFill>
+        <p:blipFill rotWithShape="1">
           <a:blip r:embed="rId2">
             <a:extLst>
               <a:ext uri="{28A0092B-C50C-407E-A947-70E740481C1C}">
@@ -3415,12 +3432,15 @@
               </a:ext>
             </a:extLst>
           </a:blip>
-          <a:srcRect l="-9177" r="-9177"/>
-          <a:stretch>
-            <a:fillRect/>
-          </a:stretch>
+          <a:srcRect l="-9177" r="-9177" b="9540"/>
+          <a:stretch/>
         </p:blipFill>
-        <p:spPr/>
+        <p:spPr>
+          <a:xfrm>
+            <a:off x="457200" y="1600201"/>
+            <a:ext cx="8229600" cy="4094156"/>
+          </a:xfrm>
+        </p:spPr>
       </p:pic>
       <p:pic>
         <p:nvPicPr>
@@ -3496,6 +3516,133 @@
           </a:p>
         </p:txBody>
       </p:sp>
+      <p:sp>
+        <p:nvSpPr>
+          <p:cNvPr id="9" name="Rectangle 8"/>
+          <p:cNvSpPr/>
+          <p:nvPr/>
+        </p:nvSpPr>
+        <p:spPr>
+          <a:xfrm>
+            <a:off x="1706085" y="6069878"/>
+            <a:ext cx="5217803" cy="314205"/>
+          </a:xfrm>
+          <a:prstGeom prst="rect">
+            <a:avLst/>
+          </a:prstGeom>
+          <a:solidFill>
+            <a:srgbClr val="F79646"/>
+          </a:solidFill>
+          <a:ln>
+            <a:noFill/>
+          </a:ln>
+        </p:spPr>
+        <p:style>
+          <a:lnRef idx="1">
+            <a:schemeClr val="accent1"/>
+          </a:lnRef>
+          <a:fillRef idx="3">
+            <a:schemeClr val="accent1"/>
+          </a:fillRef>
+          <a:effectRef idx="2">
+            <a:schemeClr val="accent1"/>
+          </a:effectRef>
+          <a:fontRef idx="minor">
+            <a:schemeClr val="lt1"/>
+          </a:fontRef>
+        </p:style>
+        <p:txBody>
+          <a:bodyPr rtlCol="0" anchor="ctr"/>
+          <a:lstStyle/>
+          <a:p>
+            <a:pPr algn="ctr"/>
+            <a:endParaRPr lang="en-US" sz="2000"/>
+          </a:p>
+        </p:txBody>
+      </p:sp>
+      <p:sp>
+        <p:nvSpPr>
+          <p:cNvPr id="10" name="TextBox 9"/>
+          <p:cNvSpPr txBox="1"/>
+          <p:nvPr/>
+        </p:nvSpPr>
+        <p:spPr>
+          <a:xfrm>
+            <a:off x="1706085" y="6033016"/>
+            <a:ext cx="5217803" cy="369332"/>
+          </a:xfrm>
+          <a:prstGeom prst="rect">
+            <a:avLst/>
+          </a:prstGeom>
+          <a:noFill/>
+        </p:spPr>
+        <p:txBody>
+          <a:bodyPr wrap="square" rtlCol="0">
+            <a:spAutoFit/>
+          </a:bodyPr>
+          <a:lstStyle/>
+          <a:p>
+            <a:pPr algn="ctr"/>
+            <a:r>
+              <a:rPr lang="en-US" b="1" i="1" dirty="0" smtClean="0"/>
+              <a:t>O GA </a:t>
+            </a:r>
+            <a:r>
+              <a:rPr lang="en-US" b="1" i="1" dirty="0" err="1" smtClean="0"/>
+              <a:t>n</a:t>
+            </a:r>
+            <a:r>
+              <a:rPr lang="en-US" b="1" i="1" dirty="0" err="1" smtClean="0"/>
+              <a:t>ão</a:t>
+            </a:r>
+            <a:r>
+              <a:rPr lang="en-US" b="1" i="1" dirty="0" smtClean="0"/>
+              <a:t> </a:t>
+            </a:r>
+            <a:r>
+              <a:rPr lang="en-US" b="1" i="1" dirty="0" err="1" smtClean="0"/>
+              <a:t>nasceu</a:t>
+            </a:r>
+            <a:r>
+              <a:rPr lang="en-US" b="1" i="1" dirty="0" smtClean="0"/>
+              <a:t> </a:t>
+            </a:r>
+            <a:r>
+              <a:rPr lang="en-US" b="1" i="1" dirty="0" err="1" smtClean="0"/>
+              <a:t>para</a:t>
+            </a:r>
+            <a:r>
+              <a:rPr lang="en-US" b="1" i="1" dirty="0" smtClean="0"/>
+              <a:t> Mobile </a:t>
+            </a:r>
+            <a:r>
+              <a:rPr lang="en-US" b="1" i="1" dirty="0" err="1" smtClean="0"/>
+              <a:t>como</a:t>
+            </a:r>
+            <a:r>
+              <a:rPr lang="en-US" b="1" i="1" dirty="0" smtClean="0"/>
+              <a:t> </a:t>
+            </a:r>
+            <a:r>
+              <a:rPr lang="en-US" b="1" i="1" dirty="0" err="1" smtClean="0"/>
+              <a:t>é</a:t>
+            </a:r>
+            <a:r>
+              <a:rPr lang="en-US" b="1" i="1" dirty="0" smtClean="0"/>
+              <a:t> </a:t>
+            </a:r>
+            <a:r>
+              <a:rPr lang="en-US" b="1" i="1" dirty="0" err="1" smtClean="0"/>
+              <a:t>caso</a:t>
+            </a:r>
+            <a:r>
+              <a:rPr lang="en-US" b="1" i="1" dirty="0" smtClean="0"/>
+              <a:t> do Flurry</a:t>
+            </a:r>
+            <a:endParaRPr lang="en-US" sz="2400" b="1" i="1" dirty="0"/>
+          </a:p>
+        </p:txBody>
+      </p:sp>
     </p:spTree>
     <p:extLst>
       <p:ext uri="{BB962C8B-B14F-4D97-AF65-F5344CB8AC3E}">
@@ -3506,10 +3653,158 @@
   <p:clrMapOvr>
     <a:masterClrMapping/>
   </p:clrMapOvr>
+  <p:timing>
+    <p:tnLst>
+      <p:par>
+        <p:cTn xmlns:p14="http://schemas.microsoft.com/office/powerpoint/2010/main" id="1" dur="indefinite" restart="never" nodeType="tmRoot"/>
+      </p:par>
+    </p:tnLst>
+  </p:timing>
 </p:sld>
 </file>
 
 <file path=ppt/slides/slide4.xml><?xml version="1.0" encoding="utf-8"?>
+<p:sld xmlns:a="http://schemas.openxmlformats.org/drawingml/2006/main" xmlns:r="http://schemas.openxmlformats.org/officeDocument/2006/relationships" xmlns:p="http://schemas.openxmlformats.org/presentationml/2006/main">
+  <p:cSld>
+    <p:spTree>
+      <p:nvGrpSpPr>
+        <p:cNvPr id="1" name=""/>
+        <p:cNvGrpSpPr/>
+        <p:nvPr/>
+      </p:nvGrpSpPr>
+      <p:grpSpPr>
+        <a:xfrm>
+          <a:off x="0" y="0"/>
+          <a:ext cx="0" cy="0"/>
+          <a:chOff x="0" y="0"/>
+          <a:chExt cx="0" cy="0"/>
+        </a:xfrm>
+      </p:grpSpPr>
+      <p:sp>
+        <p:nvSpPr>
+          <p:cNvPr id="2" name="Title 1"/>
+          <p:cNvSpPr>
+            <a:spLocks noGrp="1"/>
+          </p:cNvSpPr>
+          <p:nvPr>
+            <p:ph type="title"/>
+          </p:nvPr>
+        </p:nvSpPr>
+        <p:spPr/>
+        <p:txBody>
+          <a:bodyPr/>
+          <a:lstStyle/>
+          <a:p>
+            <a:r>
+              <a:rPr lang="en-US" dirty="0" err="1" smtClean="0"/>
+              <a:t>Cuidados</a:t>
+            </a:r>
+            <a:r>
+              <a:rPr lang="en-US" dirty="0" smtClean="0"/>
+              <a:t> Tracking Mobile</a:t>
+            </a:r>
+            <a:endParaRPr lang="en-US" dirty="0"/>
+          </a:p>
+        </p:txBody>
+      </p:sp>
+      <p:pic>
+        <p:nvPicPr>
+          <p:cNvPr id="5" name="Picture 4" descr="logo_rede_mobi.gif"/>
+          <p:cNvPicPr>
+            <a:picLocks noChangeAspect="1"/>
+          </p:cNvPicPr>
+          <p:nvPr/>
+        </p:nvPicPr>
+        <p:blipFill>
+          <a:blip r:embed="rId2">
+            <a:extLst>
+              <a:ext uri="{28A0092B-C50C-407E-A947-70E740481C1C}">
+                <a14:useLocalDpi xmlns:a14="http://schemas.microsoft.com/office/drawing/2010/main" val="0"/>
+              </a:ext>
+            </a:extLst>
+          </a:blip>
+          <a:stretch>
+            <a:fillRect/>
+          </a:stretch>
+        </p:blipFill>
+        <p:spPr>
+          <a:xfrm>
+            <a:off x="7498636" y="5694356"/>
+            <a:ext cx="1486619" cy="1027119"/>
+          </a:xfrm>
+          <a:prstGeom prst="rect">
+            <a:avLst/>
+          </a:prstGeom>
+        </p:spPr>
+      </p:pic>
+      <p:sp>
+        <p:nvSpPr>
+          <p:cNvPr id="3" name="Content Placeholder 2"/>
+          <p:cNvSpPr>
+            <a:spLocks noGrp="1"/>
+          </p:cNvSpPr>
+          <p:nvPr>
+            <p:ph idx="1"/>
+          </p:nvPr>
+        </p:nvSpPr>
+        <p:spPr/>
+        <p:txBody>
+          <a:bodyPr/>
+          <a:lstStyle/>
+          <a:p>
+            <a:r>
+              <a:rPr lang="en-US" dirty="0" err="1" smtClean="0"/>
+              <a:t>GeoLocaliza</a:t>
+            </a:r>
+            <a:r>
+              <a:rPr lang="en-US" dirty="0" err="1" smtClean="0"/>
+              <a:t>ção</a:t>
+            </a:r>
+            <a:endParaRPr lang="en-US" dirty="0" smtClean="0"/>
+          </a:p>
+          <a:p>
+            <a:endParaRPr lang="en-US" dirty="0" smtClean="0"/>
+          </a:p>
+          <a:p>
+            <a:r>
+              <a:rPr lang="en-US" dirty="0" smtClean="0"/>
+              <a:t>UDID</a:t>
+            </a:r>
+          </a:p>
+          <a:p>
+            <a:endParaRPr lang="en-US" dirty="0"/>
+          </a:p>
+          <a:p>
+            <a:r>
+              <a:rPr lang="en-US" dirty="0" err="1" smtClean="0"/>
+              <a:t>Segurança</a:t>
+            </a:r>
+            <a:r>
+              <a:rPr lang="en-US" dirty="0" smtClean="0"/>
+              <a:t> = </a:t>
+            </a:r>
+            <a:r>
+              <a:rPr lang="en-US" dirty="0" err="1" smtClean="0"/>
+              <a:t>Transparência</a:t>
+            </a:r>
+            <a:endParaRPr lang="en-US" dirty="0"/>
+          </a:p>
+        </p:txBody>
+      </p:sp>
+    </p:spTree>
+    <p:extLst>
+      <p:ext uri="{BB962C8B-B14F-4D97-AF65-F5344CB8AC3E}">
+        <p14:creationId xmlns:p14="http://schemas.microsoft.com/office/powerpoint/2010/main" val="968992829"/>
+      </p:ext>
+    </p:extLst>
+  </p:cSld>
+  <p:clrMapOvr>
+    <a:masterClrMapping/>
+  </p:clrMapOvr>
+</p:sld>
+</file>
+
+<file path=ppt/slides/slide5.xml><?xml version="1.0" encoding="utf-8"?>
 <p:sld xmlns:a="http://schemas.openxmlformats.org/drawingml/2006/main" xmlns:r="http://schemas.openxmlformats.org/officeDocument/2006/relationships" xmlns:p="http://schemas.openxmlformats.org/presentationml/2006/main">
   <p:cSld>
     <p:spTree>
@@ -3629,7 +3924,7 @@
 </p:sld>
 </file>
 
-<file path=ppt/slides/slide5.xml><?xml version="1.0" encoding="utf-8"?>
+<file path=ppt/slides/slide6.xml><?xml version="1.0" encoding="utf-8"?>
 <p:sld xmlns:a="http://schemas.openxmlformats.org/drawingml/2006/main" xmlns:r="http://schemas.openxmlformats.org/officeDocument/2006/relationships" xmlns:p="http://schemas.openxmlformats.org/presentationml/2006/main">
   <p:cSld>
     <p:spTree>
@@ -4032,7 +4327,110 @@
 </p:sld>
 </file>
 
-<file path=ppt/slides/slide6.xml><?xml version="1.0" encoding="utf-8"?>
+<file path=ppt/slides/slide7.xml><?xml version="1.0" encoding="utf-8"?>
+<p:sld xmlns:a="http://schemas.openxmlformats.org/drawingml/2006/main" xmlns:r="http://schemas.openxmlformats.org/officeDocument/2006/relationships" xmlns:p="http://schemas.openxmlformats.org/presentationml/2006/main">
+  <p:cSld>
+    <p:spTree>
+      <p:nvGrpSpPr>
+        <p:cNvPr id="1" name=""/>
+        <p:cNvGrpSpPr/>
+        <p:nvPr/>
+      </p:nvGrpSpPr>
+      <p:grpSpPr>
+        <a:xfrm>
+          <a:off x="0" y="0"/>
+          <a:ext cx="0" cy="0"/>
+          <a:chOff x="0" y="0"/>
+          <a:chExt cx="0" cy="0"/>
+        </a:xfrm>
+      </p:grpSpPr>
+      <p:sp>
+        <p:nvSpPr>
+          <p:cNvPr id="2" name="Title 1"/>
+          <p:cNvSpPr>
+            <a:spLocks noGrp="1"/>
+          </p:cNvSpPr>
+          <p:nvPr>
+            <p:ph type="title"/>
+          </p:nvPr>
+        </p:nvSpPr>
+        <p:spPr/>
+        <p:txBody>
+          <a:bodyPr/>
+          <a:lstStyle/>
+          <a:p>
+            <a:r>
+              <a:rPr lang="en-US" dirty="0" smtClean="0"/>
+              <a:t>Analytics </a:t>
+            </a:r>
+            <a:r>
+              <a:rPr lang="en-US" dirty="0" err="1" smtClean="0"/>
+              <a:t>ajudando</a:t>
+            </a:r>
+            <a:r>
+              <a:rPr lang="en-US" dirty="0" smtClean="0"/>
+              <a:t> a </a:t>
+            </a:r>
+            <a:r>
+              <a:rPr lang="en-US" dirty="0" err="1" smtClean="0"/>
+              <a:t>Rentabilizar</a:t>
+            </a:r>
+            <a:endParaRPr lang="en-US" dirty="0"/>
+          </a:p>
+        </p:txBody>
+      </p:sp>
+      <p:pic>
+        <p:nvPicPr>
+          <p:cNvPr id="8" name="Content Placeholder 7"/>
+          <p:cNvPicPr>
+            <a:picLocks noGrp="1" noChangeAspect="1"/>
+          </p:cNvPicPr>
+          <p:nvPr>
+            <p:ph sz="half" idx="2"/>
+          </p:nvPr>
+        </p:nvPicPr>
+        <p:blipFill>
+          <a:blip r:embed="rId2"/>
+          <a:srcRect t="8287" b="8287"/>
+          <a:stretch>
+            <a:fillRect/>
+          </a:stretch>
+        </p:blipFill>
+        <p:spPr/>
+      </p:pic>
+      <p:pic>
+        <p:nvPicPr>
+          <p:cNvPr id="7" name="Content Placeholder 6"/>
+          <p:cNvPicPr>
+            <a:picLocks noGrp="1" noChangeAspect="1"/>
+          </p:cNvPicPr>
+          <p:nvPr>
+            <p:ph sz="half" idx="1"/>
+          </p:nvPr>
+        </p:nvPicPr>
+        <p:blipFill>
+          <a:blip r:embed="rId3"/>
+          <a:srcRect l="20396" r="20396"/>
+          <a:stretch>
+            <a:fillRect/>
+          </a:stretch>
+        </p:blipFill>
+        <p:spPr/>
+      </p:pic>
+    </p:spTree>
+    <p:extLst>
+      <p:ext uri="{BB962C8B-B14F-4D97-AF65-F5344CB8AC3E}">
+        <p14:creationId xmlns:p14="http://schemas.microsoft.com/office/powerpoint/2010/main" val="3547045261"/>
+      </p:ext>
+    </p:extLst>
+  </p:cSld>
+  <p:clrMapOvr>
+    <a:masterClrMapping/>
+  </p:clrMapOvr>
+</p:sld>
+</file>
+
+<file path=ppt/slides/slide8.xml><?xml version="1.0" encoding="utf-8"?>
 <p:sld xmlns:a="http://schemas.openxmlformats.org/drawingml/2006/main" xmlns:r="http://schemas.openxmlformats.org/officeDocument/2006/relationships" xmlns:p="http://schemas.openxmlformats.org/presentationml/2006/main">
   <p:cSld>
     <p:spTree>
@@ -4079,6 +4477,89 @@
           </a:prstGeom>
         </p:spPr>
       </p:pic>
+      <p:sp>
+        <p:nvSpPr>
+          <p:cNvPr id="3" name="Title 1"/>
+          <p:cNvSpPr txBox="1">
+            <a:spLocks/>
+          </p:cNvSpPr>
+          <p:nvPr/>
+        </p:nvSpPr>
+        <p:spPr>
+          <a:xfrm>
+            <a:off x="457200" y="274638"/>
+            <a:ext cx="8229600" cy="1143000"/>
+          </a:xfrm>
+          <a:prstGeom prst="rect">
+            <a:avLst/>
+          </a:prstGeom>
+        </p:spPr>
+        <p:txBody>
+          <a:bodyPr/>
+          <a:lstStyle>
+            <a:lvl1pPr algn="ctr" defTabSz="457200" rtl="0" eaLnBrk="1" latinLnBrk="0" hangingPunct="1">
+              <a:spcBef>
+                <a:spcPct val="0"/>
+              </a:spcBef>
+              <a:buNone/>
+              <a:defRPr sz="4400" kern="1200">
+                <a:solidFill>
+                  <a:schemeClr val="tx1"/>
+                </a:solidFill>
+                <a:latin typeface="+mj-lt"/>
+                <a:ea typeface="+mj-ea"/>
+                <a:cs typeface="+mj-cs"/>
+              </a:defRPr>
+            </a:lvl1pPr>
+          </a:lstStyle>
+          <a:p>
+            <a:r>
+              <a:rPr lang="en-US" dirty="0" smtClean="0"/>
+              <a:t>Obrigado!</a:t>
+            </a:r>
+          </a:p>
+          <a:p>
+            <a:endParaRPr lang="en-US" dirty="0"/>
+          </a:p>
+          <a:p>
+            <a:endParaRPr lang="en-US" dirty="0" smtClean="0"/>
+          </a:p>
+          <a:p>
+            <a:endParaRPr lang="en-US" dirty="0"/>
+          </a:p>
+          <a:p>
+            <a:endParaRPr lang="en-US" dirty="0" smtClean="0"/>
+          </a:p>
+          <a:p>
+            <a:endParaRPr lang="en-US" dirty="0"/>
+          </a:p>
+          <a:p>
+            <a:endParaRPr lang="en-US" dirty="0" smtClean="0"/>
+          </a:p>
+          <a:p>
+            <a:endParaRPr lang="en-US" dirty="0"/>
+          </a:p>
+          <a:p>
+            <a:r>
+              <a:rPr lang="en-US" dirty="0" smtClean="0"/>
+              <a:t>@</a:t>
+            </a:r>
+            <a:r>
+              <a:rPr lang="en-US" dirty="0" err="1" smtClean="0"/>
+              <a:t>ricardo_feldman</a:t>
+            </a:r>
+            <a:r>
+              <a:rPr lang="en-US" dirty="0" smtClean="0"/>
+              <a:t>  @</a:t>
+            </a:r>
+            <a:r>
+              <a:rPr lang="en-US" dirty="0" err="1" smtClean="0"/>
+              <a:t>redemobi</a:t>
+            </a:r>
+            <a:endParaRPr lang="en-US" dirty="0" smtClean="0"/>
+          </a:p>
+        </p:txBody>
+      </p:sp>
     </p:spTree>
     <p:extLst>
       <p:ext uri="{BB962C8B-B14F-4D97-AF65-F5344CB8AC3E}">
